--- a/France travail.pptx
+++ b/France travail.pptx
@@ -126,6 +126,51 @@
     </p:ext>
   </p:extLst>
 </p:presentation>
+</file>
+
+<file path=ppt/changesInfos/changesInfo1.xml><?xml version="1.0" encoding="utf-8"?>
+<pc:chgInfo xmlns:a="http://schemas.openxmlformats.org/drawingml/2006/main" xmlns:r="http://schemas.openxmlformats.org/officeDocument/2006/relationships" xmlns:ac="http://schemas.microsoft.com/office/drawing/2013/main/command" xmlns:pc="http://schemas.microsoft.com/office/powerpoint/2013/main/command">
+  <pc:docChgLst>
+    <pc:chgData name="hugo labedade" userId="34c1a2c01131dbe2" providerId="LiveId" clId="{371D340D-FCB2-4FEC-AB5D-E2E11D211279}"/>
+    <pc:docChg chg="custSel modSld">
+      <pc:chgData name="hugo labedade" userId="34c1a2c01131dbe2" providerId="LiveId" clId="{371D340D-FCB2-4FEC-AB5D-E2E11D211279}" dt="2022-10-20T20:20:19.452" v="5" actId="1076"/>
+      <pc:docMkLst>
+        <pc:docMk/>
+      </pc:docMkLst>
+      <pc:sldChg chg="addSp delSp modSp mod">
+        <pc:chgData name="hugo labedade" userId="34c1a2c01131dbe2" providerId="LiveId" clId="{371D340D-FCB2-4FEC-AB5D-E2E11D211279}" dt="2022-10-20T20:20:19.452" v="5" actId="1076"/>
+        <pc:sldMkLst>
+          <pc:docMk/>
+          <pc:sldMk cId="1580180815" sldId="283"/>
+        </pc:sldMkLst>
+        <pc:picChg chg="add">
+          <ac:chgData name="hugo labedade" userId="34c1a2c01131dbe2" providerId="LiveId" clId="{371D340D-FCB2-4FEC-AB5D-E2E11D211279}" dt="2022-10-20T20:19:33.378" v="0" actId="22"/>
+          <ac:picMkLst>
+            <pc:docMk/>
+            <pc:sldMk cId="1580180815" sldId="283"/>
+            <ac:picMk id="3" creationId="{20E16CC5-FA6C-05C3-E46E-608D8C241FE8}"/>
+          </ac:picMkLst>
+        </pc:picChg>
+        <pc:picChg chg="del">
+          <ac:chgData name="hugo labedade" userId="34c1a2c01131dbe2" providerId="LiveId" clId="{371D340D-FCB2-4FEC-AB5D-E2E11D211279}" dt="2022-10-20T20:19:35.825" v="1" actId="478"/>
+          <ac:picMkLst>
+            <pc:docMk/>
+            <pc:sldMk cId="1580180815" sldId="283"/>
+            <ac:picMk id="5" creationId="{2CCFF127-B3A8-F1B2-8E63-4D448A28B208}"/>
+          </ac:picMkLst>
+        </pc:picChg>
+        <pc:picChg chg="add mod">
+          <ac:chgData name="hugo labedade" userId="34c1a2c01131dbe2" providerId="LiveId" clId="{371D340D-FCB2-4FEC-AB5D-E2E11D211279}" dt="2022-10-20T20:20:19.452" v="5" actId="1076"/>
+          <ac:picMkLst>
+            <pc:docMk/>
+            <pc:sldMk cId="1580180815" sldId="283"/>
+            <ac:picMk id="7" creationId="{3FC9E2C1-0504-748B-758F-E1A73573CE44}"/>
+          </ac:picMkLst>
+        </pc:picChg>
+      </pc:sldChg>
+    </pc:docChg>
+  </pc:docChgLst>
+</pc:chgInfo>
 </file>
 
 <file path=ppt/diagrams/colors1.xml><?xml version="1.0" encoding="utf-8"?>
@@ -27816,15 +27861,6 @@
           <a:solidFill>
             <a:srgbClr val="FFFFFF"/>
           </a:solidFill>
-          <a:extLst>
-            <a:ext uri="{909E8E84-426E-40DD-AFC4-6F175D3DCCD1}">
-              <a14:hiddenFill xmlns:a14="http://schemas.microsoft.com/office/drawing/2010/main">
-                <a:solidFill>
-                  <a:srgbClr val="FFFFFF"/>
-                </a:solidFill>
-              </a14:hiddenFill>
-            </a:ext>
-          </a:extLst>
         </p:spPr>
       </p:pic>
       <p:pic>
@@ -27994,36 +28030,6 @@
           <a:chExt cx="0" cy="0"/>
         </a:xfrm>
       </p:grpSpPr>
-      <p:pic>
-        <p:nvPicPr>
-          <p:cNvPr id="5" name="Image 4">
-            <a:extLst>
-              <a:ext uri="{FF2B5EF4-FFF2-40B4-BE49-F238E27FC236}">
-                <a16:creationId xmlns:a16="http://schemas.microsoft.com/office/drawing/2014/main" id="{2CCFF127-B3A8-F1B2-8E63-4D448A28B208}"/>
-              </a:ext>
-            </a:extLst>
-          </p:cNvPr>
-          <p:cNvPicPr>
-            <a:picLocks noChangeAspect="1"/>
-          </p:cNvPicPr>
-          <p:nvPr/>
-        </p:nvPicPr>
-        <p:blipFill>
-          <a:blip r:embed="rId2"/>
-          <a:stretch>
-            <a:fillRect/>
-          </a:stretch>
-        </p:blipFill>
-        <p:spPr>
-          <a:xfrm>
-            <a:off x="1173869" y="2749489"/>
-            <a:ext cx="9569942" cy="2349621"/>
-          </a:xfrm>
-          <a:prstGeom prst="rect">
-            <a:avLst/>
-          </a:prstGeom>
-        </p:spPr>
-      </p:pic>
       <p:sp>
         <p:nvSpPr>
           <p:cNvPr id="6" name="Titre 5">
@@ -28052,6 +28058,66 @@
           </a:p>
         </p:txBody>
       </p:sp>
+      <p:pic>
+        <p:nvPicPr>
+          <p:cNvPr id="3" name="Image 2">
+            <a:extLst>
+              <a:ext uri="{FF2B5EF4-FFF2-40B4-BE49-F238E27FC236}">
+                <a16:creationId xmlns:a16="http://schemas.microsoft.com/office/drawing/2014/main" id="{20E16CC5-FA6C-05C3-E46E-608D8C241FE8}"/>
+              </a:ext>
+            </a:extLst>
+          </p:cNvPr>
+          <p:cNvPicPr>
+            <a:picLocks noChangeAspect="1"/>
+          </p:cNvPicPr>
+          <p:nvPr/>
+        </p:nvPicPr>
+        <p:blipFill>
+          <a:blip r:embed="rId2"/>
+          <a:stretch>
+            <a:fillRect/>
+          </a:stretch>
+        </p:blipFill>
+        <p:spPr>
+          <a:xfrm>
+            <a:off x="1238000" y="2609808"/>
+            <a:ext cx="9715999" cy="1638384"/>
+          </a:xfrm>
+          <a:prstGeom prst="rect">
+            <a:avLst/>
+          </a:prstGeom>
+        </p:spPr>
+      </p:pic>
+      <p:pic>
+        <p:nvPicPr>
+          <p:cNvPr id="7" name="Image 6">
+            <a:extLst>
+              <a:ext uri="{FF2B5EF4-FFF2-40B4-BE49-F238E27FC236}">
+                <a16:creationId xmlns:a16="http://schemas.microsoft.com/office/drawing/2014/main" id="{3FC9E2C1-0504-748B-758F-E1A73573CE44}"/>
+              </a:ext>
+            </a:extLst>
+          </p:cNvPr>
+          <p:cNvPicPr>
+            <a:picLocks noChangeAspect="1"/>
+          </p:cNvPicPr>
+          <p:nvPr/>
+        </p:nvPicPr>
+        <p:blipFill>
+          <a:blip r:embed="rId3"/>
+          <a:stretch>
+            <a:fillRect/>
+          </a:stretch>
+        </p:blipFill>
+        <p:spPr>
+          <a:xfrm>
+            <a:off x="1238000" y="4280259"/>
+            <a:ext cx="9658846" cy="590580"/>
+          </a:xfrm>
+          <a:prstGeom prst="rect">
+            <a:avLst/>
+          </a:prstGeom>
+        </p:spPr>
+      </p:pic>
     </p:spTree>
     <p:extLst>
       <p:ext uri="{BB962C8B-B14F-4D97-AF65-F5344CB8AC3E}">
@@ -29142,6 +29208,14 @@
 </file>
 
 <file path=customXml/item1.xml><?xml version="1.0" encoding="utf-8"?>
+<p:properties xmlns:p="http://schemas.microsoft.com/office/2006/metadata/properties" xmlns:xsi="http://www.w3.org/2001/XMLSchema-instance" xmlns:pc="http://schemas.microsoft.com/office/infopath/2007/PartnerControls">
+  <documentManagement>
+    <MediaServiceKeyPoints xmlns="71af3243-3dd4-4a8d-8c0d-dd76da1f02a5" xsi:nil="true"/>
+  </documentManagement>
+</p:properties>
+</file>
+
+<file path=customXml/item2.xml><?xml version="1.0" encoding="utf-8"?>
 <ct:contentTypeSchema xmlns:ct="http://schemas.microsoft.com/office/2006/metadata/contentType" xmlns:ma="http://schemas.microsoft.com/office/2006/metadata/properties/metaAttributes" ct:_="" ma:_="" ma:contentTypeName="Document" ma:contentTypeID="0x01010079F111ED35F8CC479449609E8A0923A6" ma:contentTypeVersion="11" ma:contentTypeDescription="Create a new document." ma:contentTypeScope="" ma:versionID="9677210f24a1be23c92c90fd886aa0aa">
   <xsd:schema xmlns:xsd="http://www.w3.org/2001/XMLSchema" xmlns:xs="http://www.w3.org/2001/XMLSchema" xmlns:p="http://schemas.microsoft.com/office/2006/metadata/properties" xmlns:ns2="71af3243-3dd4-4a8d-8c0d-dd76da1f02a5" xmlns:ns3="16c05727-aa75-4e4a-9b5f-8a80a1165891" targetNamespace="http://schemas.microsoft.com/office/2006/metadata/properties" ma:root="true" ma:fieldsID="60e05723c5c1908df1a1a4ebf11d344e" ns2:_="" ns3:_="">
     <xsd:import namespace="71af3243-3dd4-4a8d-8c0d-dd76da1f02a5"/>
@@ -29352,14 +29426,6 @@
 </ct:contentTypeSchema>
 </file>
 
-<file path=customXml/item2.xml><?xml version="1.0" encoding="utf-8"?>
-<p:properties xmlns:p="http://schemas.microsoft.com/office/2006/metadata/properties" xmlns:xsi="http://www.w3.org/2001/XMLSchema-instance" xmlns:pc="http://schemas.microsoft.com/office/infopath/2007/PartnerControls">
-  <documentManagement>
-    <MediaServiceKeyPoints xmlns="71af3243-3dd4-4a8d-8c0d-dd76da1f02a5" xsi:nil="true"/>
-  </documentManagement>
-</p:properties>
-</file>
-
 <file path=customXml/item3.xml><?xml version="1.0" encoding="utf-8"?>
 <?mso-contentType ?>
 <FormTemplates xmlns="http://schemas.microsoft.com/sharepoint/v3/contenttype/forms">
@@ -29370,6 +29436,16 @@
 </file>
 
 <file path=customXml/itemProps1.xml><?xml version="1.0" encoding="utf-8"?>
+<ds:datastoreItem xmlns:ds="http://schemas.openxmlformats.org/officeDocument/2006/customXml" ds:itemID="{788A2F88-55C5-4ED1-9541-807C65424763}">
+  <ds:schemaRefs>
+    <ds:schemaRef ds:uri="http://schemas.microsoft.com/office/2006/metadata/properties"/>
+    <ds:schemaRef ds:uri="http://schemas.microsoft.com/office/infopath/2007/PartnerControls"/>
+    <ds:schemaRef ds:uri="71af3243-3dd4-4a8d-8c0d-dd76da1f02a5"/>
+  </ds:schemaRefs>
+</ds:datastoreItem>
+</file>
+
+<file path=customXml/itemProps2.xml><?xml version="1.0" encoding="utf-8"?>
 <ds:datastoreItem xmlns:ds="http://schemas.openxmlformats.org/officeDocument/2006/customXml" ds:itemID="{B61EAB5F-88FC-4FAE-AE3C-037A3C365EB8}">
   <ds:schemaRefs>
     <ds:schemaRef ds:uri="http://schemas.microsoft.com/office/2006/metadata/contentType"/>
@@ -29388,16 +29464,6 @@
 </ds:datastoreItem>
 </file>
 
-<file path=customXml/itemProps2.xml><?xml version="1.0" encoding="utf-8"?>
-<ds:datastoreItem xmlns:ds="http://schemas.openxmlformats.org/officeDocument/2006/customXml" ds:itemID="{788A2F88-55C5-4ED1-9541-807C65424763}">
-  <ds:schemaRefs>
-    <ds:schemaRef ds:uri="http://schemas.microsoft.com/office/2006/metadata/properties"/>
-    <ds:schemaRef ds:uri="http://schemas.microsoft.com/office/infopath/2007/PartnerControls"/>
-    <ds:schemaRef ds:uri="71af3243-3dd4-4a8d-8c0d-dd76da1f02a5"/>
-  </ds:schemaRefs>
-</ds:datastoreItem>
-</file>
-
 <file path=customXml/itemProps3.xml><?xml version="1.0" encoding="utf-8"?>
 <ds:datastoreItem xmlns:ds="http://schemas.openxmlformats.org/officeDocument/2006/customXml" ds:itemID="{4F44C90D-2A62-4985-9618-3460247437B1}">
   <ds:schemaRefs>

--- a/France travail.pptx
+++ b/France travail.pptx
@@ -5,10 +5,10 @@
     <p:sldMasterId id="2147483648" r:id="rId4"/>
   </p:sldMasterIdLst>
   <p:notesMasterIdLst>
-    <p:notesMasterId r:id="rId13"/>
+    <p:notesMasterId r:id="rId16"/>
   </p:notesMasterIdLst>
   <p:handoutMasterIdLst>
-    <p:handoutMasterId r:id="rId14"/>
+    <p:handoutMasterId r:id="rId17"/>
   </p:handoutMasterIdLst>
   <p:sldIdLst>
     <p:sldId id="256" r:id="rId5"/>
@@ -17,8 +17,11 @@
     <p:sldId id="281" r:id="rId8"/>
     <p:sldId id="279" r:id="rId9"/>
     <p:sldId id="280" r:id="rId10"/>
-    <p:sldId id="283" r:id="rId11"/>
-    <p:sldId id="282" r:id="rId12"/>
+    <p:sldId id="285" r:id="rId11"/>
+    <p:sldId id="284" r:id="rId12"/>
+    <p:sldId id="283" r:id="rId13"/>
+    <p:sldId id="282" r:id="rId14"/>
+    <p:sldId id="286" r:id="rId15"/>
   </p:sldIdLst>
   <p:sldSz cx="12192000" cy="6858000"/>
   <p:notesSz cx="6858000" cy="9144000"/>
@@ -128,27 +131,82 @@
 </p:presentation>
 </file>
 
+<file path=ppt/revisionInfo.xml><?xml version="1.0" encoding="utf-8"?>
+<p1510:revInfo xmlns:a="http://schemas.openxmlformats.org/drawingml/2006/main" xmlns:r="http://schemas.openxmlformats.org/officeDocument/2006/relationships" xmlns:p1510="http://schemas.microsoft.com/office/powerpoint/2015/10/main">
+  <p1510:revLst>
+    <p1510:client id="{371D340D-FCB2-4FEC-AB5D-E2E11D211279}" v="12" dt="2022-10-21T07:20:59.062"/>
+  </p1510:revLst>
+</p1510:revInfo>
+</file>
+
 <file path=ppt/changesInfos/changesInfo1.xml><?xml version="1.0" encoding="utf-8"?>
 <pc:chgInfo xmlns:a="http://schemas.openxmlformats.org/drawingml/2006/main" xmlns:r="http://schemas.openxmlformats.org/officeDocument/2006/relationships" xmlns:ac="http://schemas.microsoft.com/office/drawing/2013/main/command" xmlns:pc="http://schemas.microsoft.com/office/powerpoint/2013/main/command">
   <pc:docChgLst>
     <pc:chgData name="hugo labedade" userId="34c1a2c01131dbe2" providerId="LiveId" clId="{371D340D-FCB2-4FEC-AB5D-E2E11D211279}"/>
-    <pc:docChg chg="custSel modSld">
-      <pc:chgData name="hugo labedade" userId="34c1a2c01131dbe2" providerId="LiveId" clId="{371D340D-FCB2-4FEC-AB5D-E2E11D211279}" dt="2022-10-20T20:20:19.452" v="5" actId="1076"/>
+    <pc:docChg chg="custSel addSld modSld sldOrd">
+      <pc:chgData name="hugo labedade" userId="34c1a2c01131dbe2" providerId="LiveId" clId="{371D340D-FCB2-4FEC-AB5D-E2E11D211279}" dt="2022-10-21T07:20:59.060" v="300" actId="14100"/>
       <pc:docMkLst>
         <pc:docMk/>
       </pc:docMkLst>
-      <pc:sldChg chg="addSp delSp modSp mod">
-        <pc:chgData name="hugo labedade" userId="34c1a2c01131dbe2" providerId="LiveId" clId="{371D340D-FCB2-4FEC-AB5D-E2E11D211279}" dt="2022-10-20T20:20:19.452" v="5" actId="1076"/>
+      <pc:sldChg chg="modSp mod">
+        <pc:chgData name="hugo labedade" userId="34c1a2c01131dbe2" providerId="LiveId" clId="{371D340D-FCB2-4FEC-AB5D-E2E11D211279}" dt="2022-10-21T07:20:59.060" v="300" actId="14100"/>
+        <pc:sldMkLst>
+          <pc:docMk/>
+          <pc:sldMk cId="667768442" sldId="282"/>
+        </pc:sldMkLst>
+        <pc:spChg chg="mod">
+          <ac:chgData name="hugo labedade" userId="34c1a2c01131dbe2" providerId="LiveId" clId="{371D340D-FCB2-4FEC-AB5D-E2E11D211279}" dt="2022-10-21T07:20:13.378" v="291" actId="20577"/>
+          <ac:spMkLst>
+            <pc:docMk/>
+            <pc:sldMk cId="667768442" sldId="282"/>
+            <ac:spMk id="4" creationId="{C18C5E4F-DD6F-1733-326A-3274DBC1E5AF}"/>
+          </ac:spMkLst>
+        </pc:spChg>
+        <pc:picChg chg="mod">
+          <ac:chgData name="hugo labedade" userId="34c1a2c01131dbe2" providerId="LiveId" clId="{371D340D-FCB2-4FEC-AB5D-E2E11D211279}" dt="2022-10-21T07:20:35.742" v="296" actId="1076"/>
+          <ac:picMkLst>
+            <pc:docMk/>
+            <pc:sldMk cId="667768442" sldId="282"/>
+            <ac:picMk id="3076" creationId="{0A260DFA-32D3-6ADD-814C-382BF4E1C458}"/>
+          </ac:picMkLst>
+        </pc:picChg>
+        <pc:picChg chg="mod">
+          <ac:chgData name="hugo labedade" userId="34c1a2c01131dbe2" providerId="LiveId" clId="{371D340D-FCB2-4FEC-AB5D-E2E11D211279}" dt="2022-10-21T07:20:59.060" v="300" actId="14100"/>
+          <ac:picMkLst>
+            <pc:docMk/>
+            <pc:sldMk cId="667768442" sldId="282"/>
+            <ac:picMk id="3080" creationId="{B6C32DB8-09FF-E7F6-9F4E-87EFD961D9E8}"/>
+          </ac:picMkLst>
+        </pc:picChg>
+      </pc:sldChg>
+      <pc:sldChg chg="addSp delSp modSp mod ord">
+        <pc:chgData name="hugo labedade" userId="34c1a2c01131dbe2" providerId="LiveId" clId="{371D340D-FCB2-4FEC-AB5D-E2E11D211279}" dt="2022-10-21T07:15:00.322" v="121" actId="20577"/>
         <pc:sldMkLst>
           <pc:docMk/>
           <pc:sldMk cId="1580180815" sldId="283"/>
         </pc:sldMkLst>
-        <pc:picChg chg="add">
-          <ac:chgData name="hugo labedade" userId="34c1a2c01131dbe2" providerId="LiveId" clId="{371D340D-FCB2-4FEC-AB5D-E2E11D211279}" dt="2022-10-20T20:19:33.378" v="0" actId="22"/>
+        <pc:spChg chg="add mod">
+          <ac:chgData name="hugo labedade" userId="34c1a2c01131dbe2" providerId="LiveId" clId="{371D340D-FCB2-4FEC-AB5D-E2E11D211279}" dt="2022-10-21T07:15:00.322" v="121" actId="20577"/>
+          <ac:spMkLst>
+            <pc:docMk/>
+            <pc:sldMk cId="1580180815" sldId="283"/>
+            <ac:spMk id="9" creationId="{4FF90CD3-FDE7-6849-FE04-E0516AF3E80A}"/>
+          </ac:spMkLst>
+        </pc:spChg>
+        <pc:picChg chg="add del">
+          <ac:chgData name="hugo labedade" userId="34c1a2c01131dbe2" providerId="LiveId" clId="{371D340D-FCB2-4FEC-AB5D-E2E11D211279}" dt="2022-10-21T07:13:43.920" v="99" actId="478"/>
           <ac:picMkLst>
             <pc:docMk/>
             <pc:sldMk cId="1580180815" sldId="283"/>
             <ac:picMk id="3" creationId="{20E16CC5-FA6C-05C3-E46E-608D8C241FE8}"/>
+          </ac:picMkLst>
+        </pc:picChg>
+        <pc:picChg chg="add mod">
+          <ac:chgData name="hugo labedade" userId="34c1a2c01131dbe2" providerId="LiveId" clId="{371D340D-FCB2-4FEC-AB5D-E2E11D211279}" dt="2022-10-21T07:13:55.900" v="103" actId="1076"/>
+          <ac:picMkLst>
+            <pc:docMk/>
+            <pc:sldMk cId="1580180815" sldId="283"/>
+            <ac:picMk id="4" creationId="{2D43CDCE-58DA-4939-65DB-8F3A0F494BBE}"/>
           </ac:picMkLst>
         </pc:picChg>
         <pc:picChg chg="del">
@@ -159,14 +217,115 @@
             <ac:picMk id="5" creationId="{2CCFF127-B3A8-F1B2-8E63-4D448A28B208}"/>
           </ac:picMkLst>
         </pc:picChg>
-        <pc:picChg chg="add mod">
-          <ac:chgData name="hugo labedade" userId="34c1a2c01131dbe2" providerId="LiveId" clId="{371D340D-FCB2-4FEC-AB5D-E2E11D211279}" dt="2022-10-20T20:20:19.452" v="5" actId="1076"/>
+        <pc:picChg chg="add del mod">
+          <ac:chgData name="hugo labedade" userId="34c1a2c01131dbe2" providerId="LiveId" clId="{371D340D-FCB2-4FEC-AB5D-E2E11D211279}" dt="2022-10-21T07:14:21.179" v="104" actId="478"/>
           <ac:picMkLst>
             <pc:docMk/>
             <pc:sldMk cId="1580180815" sldId="283"/>
             <ac:picMk id="7" creationId="{3FC9E2C1-0504-748B-758F-E1A73573CE44}"/>
           </ac:picMkLst>
         </pc:picChg>
+        <pc:picChg chg="add mod">
+          <ac:chgData name="hugo labedade" userId="34c1a2c01131dbe2" providerId="LiveId" clId="{371D340D-FCB2-4FEC-AB5D-E2E11D211279}" dt="2022-10-21T07:14:27.545" v="106" actId="1076"/>
+          <ac:picMkLst>
+            <pc:docMk/>
+            <pc:sldMk cId="1580180815" sldId="283"/>
+            <ac:picMk id="8" creationId="{62BAFBC3-F628-FF67-388E-948292761E6B}"/>
+          </ac:picMkLst>
+        </pc:picChg>
+      </pc:sldChg>
+      <pc:sldChg chg="addSp delSp modSp add mod">
+        <pc:chgData name="hugo labedade" userId="34c1a2c01131dbe2" providerId="LiveId" clId="{371D340D-FCB2-4FEC-AB5D-E2E11D211279}" dt="2022-10-21T07:12:39.059" v="98" actId="1035"/>
+        <pc:sldMkLst>
+          <pc:docMk/>
+          <pc:sldMk cId="3597304434" sldId="284"/>
+        </pc:sldMkLst>
+        <pc:spChg chg="add mod">
+          <ac:chgData name="hugo labedade" userId="34c1a2c01131dbe2" providerId="LiveId" clId="{371D340D-FCB2-4FEC-AB5D-E2E11D211279}" dt="2022-10-21T07:11:16.907" v="83" actId="1076"/>
+          <ac:spMkLst>
+            <pc:docMk/>
+            <pc:sldMk cId="3597304434" sldId="284"/>
+            <ac:spMk id="2" creationId="{AAAC0FFB-4340-950E-A00E-B959DDB6E24B}"/>
+          </ac:spMkLst>
+        </pc:spChg>
+        <pc:picChg chg="mod">
+          <ac:chgData name="hugo labedade" userId="34c1a2c01131dbe2" providerId="LiveId" clId="{371D340D-FCB2-4FEC-AB5D-E2E11D211279}" dt="2022-10-21T07:10:30.189" v="7" actId="1076"/>
+          <ac:picMkLst>
+            <pc:docMk/>
+            <pc:sldMk cId="3597304434" sldId="284"/>
+            <ac:picMk id="3" creationId="{20E16CC5-FA6C-05C3-E46E-608D8C241FE8}"/>
+          </ac:picMkLst>
+        </pc:picChg>
+        <pc:picChg chg="add mod">
+          <ac:chgData name="hugo labedade" userId="34c1a2c01131dbe2" providerId="LiveId" clId="{371D340D-FCB2-4FEC-AB5D-E2E11D211279}" dt="2022-10-21T07:12:39.059" v="98" actId="1035"/>
+          <ac:picMkLst>
+            <pc:docMk/>
+            <pc:sldMk cId="3597304434" sldId="284"/>
+            <ac:picMk id="5" creationId="{44A9E556-9D81-1B9C-FF12-6F384F74FAB7}"/>
+          </ac:picMkLst>
+        </pc:picChg>
+        <pc:picChg chg="del mod">
+          <ac:chgData name="hugo labedade" userId="34c1a2c01131dbe2" providerId="LiveId" clId="{371D340D-FCB2-4FEC-AB5D-E2E11D211279}" dt="2022-10-21T07:12:30.348" v="84" actId="478"/>
+          <ac:picMkLst>
+            <pc:docMk/>
+            <pc:sldMk cId="3597304434" sldId="284"/>
+            <ac:picMk id="7" creationId="{3FC9E2C1-0504-748B-758F-E1A73573CE44}"/>
+          </ac:picMkLst>
+        </pc:picChg>
+      </pc:sldChg>
+      <pc:sldChg chg="addSp delSp modSp new mod">
+        <pc:chgData name="hugo labedade" userId="34c1a2c01131dbe2" providerId="LiveId" clId="{371D340D-FCB2-4FEC-AB5D-E2E11D211279}" dt="2022-10-21T07:17:34.243" v="137" actId="20577"/>
+        <pc:sldMkLst>
+          <pc:docMk/>
+          <pc:sldMk cId="4095562529" sldId="285"/>
+        </pc:sldMkLst>
+        <pc:spChg chg="mod">
+          <ac:chgData name="hugo labedade" userId="34c1a2c01131dbe2" providerId="LiveId" clId="{371D340D-FCB2-4FEC-AB5D-E2E11D211279}" dt="2022-10-21T07:17:34.243" v="137" actId="20577"/>
+          <ac:spMkLst>
+            <pc:docMk/>
+            <pc:sldMk cId="4095562529" sldId="285"/>
+            <ac:spMk id="2" creationId="{F49C13A1-E353-E967-8332-26EBBCC75332}"/>
+          </ac:spMkLst>
+        </pc:spChg>
+        <pc:spChg chg="del">
+          <ac:chgData name="hugo labedade" userId="34c1a2c01131dbe2" providerId="LiveId" clId="{371D340D-FCB2-4FEC-AB5D-E2E11D211279}" dt="2022-10-21T07:17:20.678" v="123" actId="22"/>
+          <ac:spMkLst>
+            <pc:docMk/>
+            <pc:sldMk cId="4095562529" sldId="285"/>
+            <ac:spMk id="3" creationId="{9E29CE9D-645A-0E40-1D77-C3BCAD6B667A}"/>
+          </ac:spMkLst>
+        </pc:spChg>
+        <pc:picChg chg="add mod ord">
+          <ac:chgData name="hugo labedade" userId="34c1a2c01131dbe2" providerId="LiveId" clId="{371D340D-FCB2-4FEC-AB5D-E2E11D211279}" dt="2022-10-21T07:17:28.055" v="124" actId="1076"/>
+          <ac:picMkLst>
+            <pc:docMk/>
+            <pc:sldMk cId="4095562529" sldId="285"/>
+            <ac:picMk id="5" creationId="{DC6E07D2-1280-2E01-5EF4-EC91183EB473}"/>
+          </ac:picMkLst>
+        </pc:picChg>
+      </pc:sldChg>
+      <pc:sldChg chg="modSp new mod">
+        <pc:chgData name="hugo labedade" userId="34c1a2c01131dbe2" providerId="LiveId" clId="{371D340D-FCB2-4FEC-AB5D-E2E11D211279}" dt="2022-10-21T07:19:38.711" v="289" actId="20577"/>
+        <pc:sldMkLst>
+          <pc:docMk/>
+          <pc:sldMk cId="1275669162" sldId="286"/>
+        </pc:sldMkLst>
+        <pc:spChg chg="mod">
+          <ac:chgData name="hugo labedade" userId="34c1a2c01131dbe2" providerId="LiveId" clId="{371D340D-FCB2-4FEC-AB5D-E2E11D211279}" dt="2022-10-21T07:18:48.524" v="158" actId="20577"/>
+          <ac:spMkLst>
+            <pc:docMk/>
+            <pc:sldMk cId="1275669162" sldId="286"/>
+            <ac:spMk id="2" creationId="{5CC51EBE-8C3E-CE07-F92A-BEB76053740F}"/>
+          </ac:spMkLst>
+        </pc:spChg>
+        <pc:spChg chg="mod">
+          <ac:chgData name="hugo labedade" userId="34c1a2c01131dbe2" providerId="LiveId" clId="{371D340D-FCB2-4FEC-AB5D-E2E11D211279}" dt="2022-10-21T07:19:38.711" v="289" actId="20577"/>
+          <ac:spMkLst>
+            <pc:docMk/>
+            <pc:sldMk cId="1275669162" sldId="286"/>
+            <ac:spMk id="3" creationId="{1177AAF1-B91E-F081-F4E7-E59DB8D8DF46}"/>
+          </ac:spMkLst>
+        </pc:spChg>
       </pc:sldChg>
     </pc:docChg>
   </pc:docChgLst>
@@ -6043,7 +6202,7 @@
             <a:pPr rtl="0"/>
             <a:fld id="{757FDB26-16AF-4C82-AF7A-92449513F3F4}" type="datetime1">
               <a:rPr lang="fr-FR" smtClean="0"/>
-              <a:t>20/10/2022</a:t>
+              <a:t>21/10/2022</a:t>
             </a:fld>
             <a:endParaRPr lang="fr-FR"/>
           </a:p>
@@ -6213,7 +6372,7 @@
             <a:pPr rtl="0"/>
             <a:fld id="{360E9541-3375-4528-AC9C-1D7FD00C3017}" type="datetime1">
               <a:rPr lang="fr-FR" noProof="0" smtClean="0"/>
-              <a:t>20/10/2022</a:t>
+              <a:t>21/10/2022</a:t>
             </a:fld>
             <a:endParaRPr lang="fr-FR" noProof="0"/>
           </a:p>
@@ -15450,7 +15609,7 @@
             <a:pPr rtl="0"/>
             <a:fld id="{E27949C9-1C26-45BB-BA53-FCDDA512553D}" type="datetime1">
               <a:rPr lang="fr-FR" noProof="0" smtClean="0"/>
-              <a:t>20/10/2022</a:t>
+              <a:t>21/10/2022</a:t>
             </a:fld>
             <a:endParaRPr lang="fr-FR" noProof="0"/>
           </a:p>
@@ -15654,7 +15813,7 @@
             <a:pPr rtl="0"/>
             <a:fld id="{721F1C99-0FCE-4E24-B45E-A6B8B87EE97A}" type="datetime1">
               <a:rPr lang="fr-FR" noProof="0" smtClean="0"/>
-              <a:t>20/10/2022</a:t>
+              <a:t>21/10/2022</a:t>
             </a:fld>
             <a:endParaRPr lang="fr-FR" noProof="0"/>
           </a:p>
@@ -15831,7 +15990,7 @@
             <a:pPr rtl="0"/>
             <a:fld id="{132C3B24-D805-4A76-8E65-C9738296B930}" type="datetime1">
               <a:rPr lang="fr-FR" noProof="0" smtClean="0"/>
-              <a:t>20/10/2022</a:t>
+              <a:t>21/10/2022</a:t>
             </a:fld>
             <a:endParaRPr lang="fr-FR" noProof="0"/>
           </a:p>
@@ -16033,7 +16192,7 @@
             <a:pPr rtl="0"/>
             <a:fld id="{2B70CDC4-B118-436F-8999-4E53124174C8}" type="datetime1">
               <a:rPr lang="fr-FR" noProof="0" smtClean="0"/>
-              <a:t>20/10/2022</a:t>
+              <a:t>21/10/2022</a:t>
             </a:fld>
             <a:endParaRPr lang="fr-FR" noProof="0"/>
           </a:p>
@@ -24929,7 +25088,7 @@
             <a:pPr rtl="0"/>
             <a:fld id="{0CB3B74C-3552-4EC5-970E-EA08B17DE6C3}" type="datetime1">
               <a:rPr lang="fr-FR" noProof="0" smtClean="0"/>
-              <a:t>20/10/2022</a:t>
+              <a:t>21/10/2022</a:t>
             </a:fld>
             <a:endParaRPr lang="fr-FR" noProof="0"/>
           </a:p>
@@ -25199,7 +25358,7 @@
             <a:pPr rtl="0"/>
             <a:fld id="{BA86671B-8518-416E-9A93-110C3FC765B0}" type="datetime1">
               <a:rPr lang="fr-FR" noProof="0" smtClean="0"/>
-              <a:t>20/10/2022</a:t>
+              <a:t>21/10/2022</a:t>
             </a:fld>
             <a:endParaRPr lang="fr-FR" noProof="0"/>
           </a:p>
@@ -25585,7 +25744,7 @@
             <a:pPr rtl="0"/>
             <a:fld id="{B95CA171-7817-4EB8-BD06-8DC08B6DD669}" type="datetime1">
               <a:rPr lang="fr-FR" noProof="0" smtClean="0"/>
-              <a:t>20/10/2022</a:t>
+              <a:t>21/10/2022</a:t>
             </a:fld>
             <a:endParaRPr lang="fr-FR" noProof="0"/>
           </a:p>
@@ -25701,7 +25860,7 @@
             <a:pPr rtl="0"/>
             <a:fld id="{A8CB6A67-71AB-4430-8E9A-3C4E54AB6270}" type="datetime1">
               <a:rPr lang="fr-FR" noProof="0" smtClean="0"/>
-              <a:t>20/10/2022</a:t>
+              <a:t>21/10/2022</a:t>
             </a:fld>
             <a:endParaRPr lang="fr-FR" noProof="0"/>
           </a:p>
@@ -25794,7 +25953,7 @@
             <a:pPr rtl="0"/>
             <a:fld id="{3278E809-7279-41D4-8D12-46601669AEF8}" type="datetime1">
               <a:rPr lang="fr-FR" noProof="0" smtClean="0"/>
-              <a:t>20/10/2022</a:t>
+              <a:t>21/10/2022</a:t>
             </a:fld>
             <a:endParaRPr lang="fr-FR" noProof="0"/>
           </a:p>
@@ -26081,7 +26240,7 @@
             <a:pPr rtl="0"/>
             <a:fld id="{7EE15B8F-B91C-47AC-B98D-C114892A6229}" type="datetime1">
               <a:rPr lang="fr-FR" noProof="0" smtClean="0"/>
-              <a:t>20/10/2022</a:t>
+              <a:t>21/10/2022</a:t>
             </a:fld>
             <a:endParaRPr lang="fr-FR" noProof="0"/>
           </a:p>
@@ -26359,7 +26518,7 @@
             <a:pPr rtl="0"/>
             <a:fld id="{92769C86-3347-4673-9EED-DCA59A1E5DED}" type="datetime1">
               <a:rPr lang="fr-FR" noProof="0" smtClean="0"/>
-              <a:t>20/10/2022</a:t>
+              <a:t>21/10/2022</a:t>
             </a:fld>
             <a:endParaRPr lang="fr-FR" noProof="0"/>
           </a:p>
@@ -26606,7 +26765,7 @@
             <a:pPr rtl="0"/>
             <a:fld id="{87726DE0-7F70-4976-999D-381380B45882}" type="datetime1">
               <a:rPr lang="fr-FR" noProof="0" smtClean="0"/>
-              <a:t>20/10/2022</a:t>
+              <a:t>21/10/2022</a:t>
             </a:fld>
             <a:endParaRPr lang="fr-FR" noProof="0"/>
           </a:p>
@@ -27418,6 +27577,369 @@
 </p:sld>
 </file>
 
+<file path=ppt/slides/slide10.xml><?xml version="1.0" encoding="utf-8"?>
+<p:sld xmlns:a="http://schemas.openxmlformats.org/drawingml/2006/main" xmlns:r="http://schemas.openxmlformats.org/officeDocument/2006/relationships" xmlns:p="http://schemas.openxmlformats.org/presentationml/2006/main">
+  <p:cSld>
+    <p:spTree>
+      <p:nvGrpSpPr>
+        <p:cNvPr id="1" name=""/>
+        <p:cNvGrpSpPr/>
+        <p:nvPr/>
+      </p:nvGrpSpPr>
+      <p:grpSpPr>
+        <a:xfrm>
+          <a:off x="0" y="0"/>
+          <a:ext cx="0" cy="0"/>
+          <a:chOff x="0" y="0"/>
+          <a:chExt cx="0" cy="0"/>
+        </a:xfrm>
+      </p:grpSpPr>
+      <p:pic>
+        <p:nvPicPr>
+          <p:cNvPr id="3074" name="Picture 2">
+            <a:extLst>
+              <a:ext uri="{FF2B5EF4-FFF2-40B4-BE49-F238E27FC236}">
+                <a16:creationId xmlns:a16="http://schemas.microsoft.com/office/drawing/2014/main" id="{8B137699-CC22-9A14-BC99-1DADCEA14568}"/>
+              </a:ext>
+            </a:extLst>
+          </p:cNvPr>
+          <p:cNvPicPr>
+            <a:picLocks noGrp="1" noChangeAspect="1" noChangeArrowheads="1"/>
+          </p:cNvPicPr>
+          <p:nvPr>
+            <p:ph idx="1"/>
+          </p:nvPr>
+        </p:nvPicPr>
+        <p:blipFill>
+          <a:blip r:embed="rId2">
+            <a:extLst>
+              <a:ext uri="{28A0092B-C50C-407E-A947-70E740481C1C}">
+                <a14:useLocalDpi xmlns:a14="http://schemas.microsoft.com/office/drawing/2010/main" val="0"/>
+              </a:ext>
+            </a:extLst>
+          </a:blip>
+          <a:srcRect/>
+          <a:stretch>
+            <a:fillRect/>
+          </a:stretch>
+        </p:blipFill>
+        <p:spPr bwMode="auto">
+          <a:xfrm>
+            <a:off x="96886" y="4164904"/>
+            <a:ext cx="5787278" cy="2364664"/>
+          </a:xfrm>
+          <a:prstGeom prst="rect">
+            <a:avLst/>
+          </a:prstGeom>
+          <a:noFill/>
+          <a:extLst>
+            <a:ext uri="{909E8E84-426E-40DD-AFC4-6F175D3DCCD1}">
+              <a14:hiddenFill xmlns:a14="http://schemas.microsoft.com/office/drawing/2010/main">
+                <a:solidFill>
+                  <a:srgbClr val="FFFFFF"/>
+                </a:solidFill>
+              </a14:hiddenFill>
+            </a:ext>
+          </a:extLst>
+        </p:spPr>
+      </p:pic>
+      <p:pic>
+        <p:nvPicPr>
+          <p:cNvPr id="3076" name="Picture 4">
+            <a:extLst>
+              <a:ext uri="{FF2B5EF4-FFF2-40B4-BE49-F238E27FC236}">
+                <a16:creationId xmlns:a16="http://schemas.microsoft.com/office/drawing/2014/main" id="{0A260DFA-32D3-6ADD-814C-382BF4E1C458}"/>
+              </a:ext>
+            </a:extLst>
+          </p:cNvPr>
+          <p:cNvPicPr>
+            <a:picLocks noChangeAspect="1" noChangeArrowheads="1"/>
+          </p:cNvPicPr>
+          <p:nvPr/>
+        </p:nvPicPr>
+        <p:blipFill>
+          <a:blip r:embed="rId3">
+            <a:extLst>
+              <a:ext uri="{28A0092B-C50C-407E-A947-70E740481C1C}">
+                <a14:useLocalDpi xmlns:a14="http://schemas.microsoft.com/office/drawing/2010/main" val="0"/>
+              </a:ext>
+            </a:extLst>
+          </a:blip>
+          <a:srcRect/>
+          <a:stretch>
+            <a:fillRect/>
+          </a:stretch>
+        </p:blipFill>
+        <p:spPr bwMode="auto">
+          <a:xfrm>
+            <a:off x="6096000" y="1985409"/>
+            <a:ext cx="5787278" cy="2211734"/>
+          </a:xfrm>
+          <a:prstGeom prst="rect">
+            <a:avLst/>
+          </a:prstGeom>
+          <a:noFill/>
+          <a:extLst>
+            <a:ext uri="{909E8E84-426E-40DD-AFC4-6F175D3DCCD1}">
+              <a14:hiddenFill xmlns:a14="http://schemas.microsoft.com/office/drawing/2010/main">
+                <a:solidFill>
+                  <a:srgbClr val="FFFFFF"/>
+                </a:solidFill>
+              </a14:hiddenFill>
+            </a:ext>
+          </a:extLst>
+        </p:spPr>
+      </p:pic>
+      <p:pic>
+        <p:nvPicPr>
+          <p:cNvPr id="3078" name="Picture 6">
+            <a:extLst>
+              <a:ext uri="{FF2B5EF4-FFF2-40B4-BE49-F238E27FC236}">
+                <a16:creationId xmlns:a16="http://schemas.microsoft.com/office/drawing/2014/main" id="{BDDCE5AE-9AC6-1123-84E1-96E7B6D7508E}"/>
+              </a:ext>
+            </a:extLst>
+          </p:cNvPr>
+          <p:cNvPicPr>
+            <a:picLocks noChangeAspect="1" noChangeArrowheads="1"/>
+          </p:cNvPicPr>
+          <p:nvPr/>
+        </p:nvPicPr>
+        <p:blipFill>
+          <a:blip r:embed="rId4">
+            <a:extLst>
+              <a:ext uri="{28A0092B-C50C-407E-A947-70E740481C1C}">
+                <a14:useLocalDpi xmlns:a14="http://schemas.microsoft.com/office/drawing/2010/main" val="0"/>
+              </a:ext>
+            </a:extLst>
+          </a:blip>
+          <a:srcRect/>
+          <a:stretch>
+            <a:fillRect/>
+          </a:stretch>
+        </p:blipFill>
+        <p:spPr bwMode="auto">
+          <a:xfrm>
+            <a:off x="96886" y="1985409"/>
+            <a:ext cx="5787278" cy="2179494"/>
+          </a:xfrm>
+          <a:prstGeom prst="rect">
+            <a:avLst/>
+          </a:prstGeom>
+          <a:noFill/>
+          <a:extLst>
+            <a:ext uri="{909E8E84-426E-40DD-AFC4-6F175D3DCCD1}">
+              <a14:hiddenFill xmlns:a14="http://schemas.microsoft.com/office/drawing/2010/main">
+                <a:solidFill>
+                  <a:srgbClr val="FFFFFF"/>
+                </a:solidFill>
+              </a14:hiddenFill>
+            </a:ext>
+          </a:extLst>
+        </p:spPr>
+      </p:pic>
+      <p:pic>
+        <p:nvPicPr>
+          <p:cNvPr id="3080" name="Picture 8">
+            <a:extLst>
+              <a:ext uri="{FF2B5EF4-FFF2-40B4-BE49-F238E27FC236}">
+                <a16:creationId xmlns:a16="http://schemas.microsoft.com/office/drawing/2014/main" id="{B6C32DB8-09FF-E7F6-9F4E-87EFD961D9E8}"/>
+              </a:ext>
+            </a:extLst>
+          </p:cNvPr>
+          <p:cNvPicPr>
+            <a:picLocks noChangeAspect="1" noChangeArrowheads="1"/>
+          </p:cNvPicPr>
+          <p:nvPr/>
+        </p:nvPicPr>
+        <p:blipFill>
+          <a:blip r:embed="rId5">
+            <a:extLst>
+              <a:ext uri="{28A0092B-C50C-407E-A947-70E740481C1C}">
+                <a14:useLocalDpi xmlns:a14="http://schemas.microsoft.com/office/drawing/2010/main" val="0"/>
+              </a:ext>
+            </a:extLst>
+          </a:blip>
+          <a:srcRect/>
+          <a:stretch>
+            <a:fillRect/>
+          </a:stretch>
+        </p:blipFill>
+        <p:spPr bwMode="auto">
+          <a:xfrm>
+            <a:off x="6096000" y="4164903"/>
+            <a:ext cx="5787278" cy="2364665"/>
+          </a:xfrm>
+          <a:prstGeom prst="rect">
+            <a:avLst/>
+          </a:prstGeom>
+          <a:noFill/>
+          <a:extLst>
+            <a:ext uri="{909E8E84-426E-40DD-AFC4-6F175D3DCCD1}">
+              <a14:hiddenFill xmlns:a14="http://schemas.microsoft.com/office/drawing/2010/main">
+                <a:solidFill>
+                  <a:srgbClr val="FFFFFF"/>
+                </a:solidFill>
+              </a14:hiddenFill>
+            </a:ext>
+          </a:extLst>
+        </p:spPr>
+      </p:pic>
+      <p:sp>
+        <p:nvSpPr>
+          <p:cNvPr id="4" name="Titre 3">
+            <a:extLst>
+              <a:ext uri="{FF2B5EF4-FFF2-40B4-BE49-F238E27FC236}">
+                <a16:creationId xmlns:a16="http://schemas.microsoft.com/office/drawing/2014/main" id="{C18C5E4F-DD6F-1733-326A-3274DBC1E5AF}"/>
+              </a:ext>
+            </a:extLst>
+          </p:cNvPr>
+          <p:cNvSpPr>
+            <a:spLocks noGrp="1"/>
+          </p:cNvSpPr>
+          <p:nvPr>
+            <p:ph type="title"/>
+          </p:nvPr>
+        </p:nvSpPr>
+        <p:spPr/>
+        <p:txBody>
+          <a:bodyPr/>
+          <a:lstStyle/>
+          <a:p>
+            <a:r>
+              <a:rPr lang="fr-FR" dirty="0"/>
+              <a:t>Prédiction de chute</a:t>
+            </a:r>
+          </a:p>
+        </p:txBody>
+      </p:sp>
+    </p:spTree>
+    <p:extLst>
+      <p:ext uri="{BB962C8B-B14F-4D97-AF65-F5344CB8AC3E}">
+        <p14:creationId xmlns:p14="http://schemas.microsoft.com/office/powerpoint/2010/main" val="667768442"/>
+      </p:ext>
+    </p:extLst>
+  </p:cSld>
+  <p:clrMapOvr>
+    <a:masterClrMapping/>
+  </p:clrMapOvr>
+</p:sld>
+</file>
+
+<file path=ppt/slides/slide11.xml><?xml version="1.0" encoding="utf-8"?>
+<p:sld xmlns:a="http://schemas.openxmlformats.org/drawingml/2006/main" xmlns:r="http://schemas.openxmlformats.org/officeDocument/2006/relationships" xmlns:p="http://schemas.openxmlformats.org/presentationml/2006/main">
+  <p:cSld>
+    <p:spTree>
+      <p:nvGrpSpPr>
+        <p:cNvPr id="1" name=""/>
+        <p:cNvGrpSpPr/>
+        <p:nvPr/>
+      </p:nvGrpSpPr>
+      <p:grpSpPr>
+        <a:xfrm>
+          <a:off x="0" y="0"/>
+          <a:ext cx="0" cy="0"/>
+          <a:chOff x="0" y="0"/>
+          <a:chExt cx="0" cy="0"/>
+        </a:xfrm>
+      </p:grpSpPr>
+      <p:sp>
+        <p:nvSpPr>
+          <p:cNvPr id="2" name="Titre 1">
+            <a:extLst>
+              <a:ext uri="{FF2B5EF4-FFF2-40B4-BE49-F238E27FC236}">
+                <a16:creationId xmlns:a16="http://schemas.microsoft.com/office/drawing/2014/main" id="{5CC51EBE-8C3E-CE07-F92A-BEB76053740F}"/>
+              </a:ext>
+            </a:extLst>
+          </p:cNvPr>
+          <p:cNvSpPr>
+            <a:spLocks noGrp="1"/>
+          </p:cNvSpPr>
+          <p:nvPr>
+            <p:ph type="title"/>
+          </p:nvPr>
+        </p:nvSpPr>
+        <p:spPr/>
+        <p:txBody>
+          <a:bodyPr/>
+          <a:lstStyle/>
+          <a:p>
+            <a:r>
+              <a:rPr lang="fr-FR" dirty="0"/>
+              <a:t>Axes d’amélioration</a:t>
+            </a:r>
+          </a:p>
+        </p:txBody>
+      </p:sp>
+      <p:sp>
+        <p:nvSpPr>
+          <p:cNvPr id="3" name="Espace réservé du contenu 2">
+            <a:extLst>
+              <a:ext uri="{FF2B5EF4-FFF2-40B4-BE49-F238E27FC236}">
+                <a16:creationId xmlns:a16="http://schemas.microsoft.com/office/drawing/2014/main" id="{1177AAF1-B91E-F081-F4E7-E59DB8D8DF46}"/>
+              </a:ext>
+            </a:extLst>
+          </p:cNvPr>
+          <p:cNvSpPr>
+            <a:spLocks noGrp="1"/>
+          </p:cNvSpPr>
+          <p:nvPr>
+            <p:ph idx="1"/>
+          </p:nvPr>
+        </p:nvSpPr>
+        <p:spPr/>
+        <p:txBody>
+          <a:bodyPr/>
+          <a:lstStyle/>
+          <a:p>
+            <a:pPr>
+              <a:buFontTx/>
+              <a:buChar char="-"/>
+            </a:pPr>
+            <a:r>
+              <a:rPr lang="fr-FR" dirty="0"/>
+              <a:t>Choix des colonnes</a:t>
+            </a:r>
+          </a:p>
+          <a:p>
+            <a:pPr>
+              <a:buFontTx/>
+              <a:buChar char="-"/>
+            </a:pPr>
+            <a:r>
+              <a:rPr lang="fr-FR" dirty="0"/>
+              <a:t>Optimisation du modèle d’apprentissage</a:t>
+            </a:r>
+          </a:p>
+          <a:p>
+            <a:pPr>
+              <a:buFontTx/>
+              <a:buChar char="-"/>
+            </a:pPr>
+            <a:r>
+              <a:rPr lang="fr-FR" dirty="0"/>
+              <a:t>Développement d’algorithmes d’</a:t>
+            </a:r>
+            <a:r>
+              <a:rPr lang="fr-FR" dirty="0" err="1"/>
+              <a:t>alerting</a:t>
+            </a:r>
+            <a:endParaRPr lang="fr-FR" dirty="0"/>
+          </a:p>
+        </p:txBody>
+      </p:sp>
+    </p:spTree>
+    <p:extLst>
+      <p:ext uri="{BB962C8B-B14F-4D97-AF65-F5344CB8AC3E}">
+        <p14:creationId xmlns:p14="http://schemas.microsoft.com/office/powerpoint/2010/main" val="1275669162"/>
+      </p:ext>
+    </p:extLst>
+  </p:cSld>
+  <p:clrMapOvr>
+    <a:masterClrMapping/>
+  </p:clrMapOvr>
+</p:sld>
+</file>
+
 <file path=ppt/slides/slide2.xml><?xml version="1.0" encoding="utf-8"?>
 <p:sld xmlns:a="http://schemas.openxmlformats.org/drawingml/2006/main" xmlns:r="http://schemas.openxmlformats.org/officeDocument/2006/relationships" xmlns:p="http://schemas.openxmlformats.org/presentationml/2006/main">
   <p:cSld>
@@ -28032,6 +28554,94 @@
       </p:grpSpPr>
       <p:sp>
         <p:nvSpPr>
+          <p:cNvPr id="2" name="Titre 1">
+            <a:extLst>
+              <a:ext uri="{FF2B5EF4-FFF2-40B4-BE49-F238E27FC236}">
+                <a16:creationId xmlns:a16="http://schemas.microsoft.com/office/drawing/2014/main" id="{F49C13A1-E353-E967-8332-26EBBCC75332}"/>
+              </a:ext>
+            </a:extLst>
+          </p:cNvPr>
+          <p:cNvSpPr>
+            <a:spLocks noGrp="1"/>
+          </p:cNvSpPr>
+          <p:nvPr>
+            <p:ph type="title"/>
+          </p:nvPr>
+        </p:nvSpPr>
+        <p:spPr/>
+        <p:txBody>
+          <a:bodyPr/>
+          <a:lstStyle/>
+          <a:p>
+            <a:r>
+              <a:rPr lang="fr-FR" dirty="0" err="1"/>
+              <a:t>Préprocessing</a:t>
+            </a:r>
+            <a:endParaRPr lang="fr-FR" dirty="0"/>
+          </a:p>
+        </p:txBody>
+      </p:sp>
+      <p:pic>
+        <p:nvPicPr>
+          <p:cNvPr id="5" name="Espace réservé du contenu 4">
+            <a:extLst>
+              <a:ext uri="{FF2B5EF4-FFF2-40B4-BE49-F238E27FC236}">
+                <a16:creationId xmlns:a16="http://schemas.microsoft.com/office/drawing/2014/main" id="{DC6E07D2-1280-2E01-5EF4-EC91183EB473}"/>
+              </a:ext>
+            </a:extLst>
+          </p:cNvPr>
+          <p:cNvPicPr>
+            <a:picLocks noGrp="1" noChangeAspect="1"/>
+          </p:cNvPicPr>
+          <p:nvPr>
+            <p:ph idx="1"/>
+          </p:nvPr>
+        </p:nvPicPr>
+        <p:blipFill>
+          <a:blip r:embed="rId2"/>
+          <a:stretch>
+            <a:fillRect/>
+          </a:stretch>
+        </p:blipFill>
+        <p:spPr>
+          <a:xfrm>
+            <a:off x="1024128" y="2749178"/>
+            <a:ext cx="9684248" cy="2121009"/>
+          </a:xfrm>
+        </p:spPr>
+      </p:pic>
+    </p:spTree>
+    <p:extLst>
+      <p:ext uri="{BB962C8B-B14F-4D97-AF65-F5344CB8AC3E}">
+        <p14:creationId xmlns:p14="http://schemas.microsoft.com/office/powerpoint/2010/main" val="4095562529"/>
+      </p:ext>
+    </p:extLst>
+  </p:cSld>
+  <p:clrMapOvr>
+    <a:masterClrMapping/>
+  </p:clrMapOvr>
+</p:sld>
+</file>
+
+<file path=ppt/slides/slide8.xml><?xml version="1.0" encoding="utf-8"?>
+<p:sld xmlns:a="http://schemas.openxmlformats.org/drawingml/2006/main" xmlns:r="http://schemas.openxmlformats.org/officeDocument/2006/relationships" xmlns:p="http://schemas.openxmlformats.org/presentationml/2006/main">
+  <p:cSld>
+    <p:spTree>
+      <p:nvGrpSpPr>
+        <p:cNvPr id="1" name=""/>
+        <p:cNvGrpSpPr/>
+        <p:nvPr/>
+      </p:nvGrpSpPr>
+      <p:grpSpPr>
+        <a:xfrm>
+          <a:off x="0" y="0"/>
+          <a:ext cx="0" cy="0"/>
+          <a:chOff x="0" y="0"/>
+          <a:chExt cx="0" cy="0"/>
+        </a:xfrm>
+      </p:grpSpPr>
+      <p:sp>
+        <p:nvSpPr>
           <p:cNvPr id="6" name="Titre 5">
             <a:extLst>
               <a:ext uri="{FF2B5EF4-FFF2-40B4-BE49-F238E27FC236}">
@@ -28080,7 +28690,7 @@
         </p:blipFill>
         <p:spPr>
           <a:xfrm>
-            <a:off x="1238000" y="2609808"/>
+            <a:off x="1238000" y="3134785"/>
             <a:ext cx="9715999" cy="1638384"/>
           </a:xfrm>
           <a:prstGeom prst="rect">
@@ -28088,12 +28698,47 @@
           </a:prstGeom>
         </p:spPr>
       </p:pic>
+      <p:sp>
+        <p:nvSpPr>
+          <p:cNvPr id="2" name="ZoneTexte 1">
+            <a:extLst>
+              <a:ext uri="{FF2B5EF4-FFF2-40B4-BE49-F238E27FC236}">
+                <a16:creationId xmlns:a16="http://schemas.microsoft.com/office/drawing/2014/main" id="{AAAC0FFB-4340-950E-A00E-B959DDB6E24B}"/>
+              </a:ext>
+            </a:extLst>
+          </p:cNvPr>
+          <p:cNvSpPr txBox="1"/>
+          <p:nvPr/>
+        </p:nvSpPr>
+        <p:spPr>
+          <a:xfrm flipH="1">
+            <a:off x="1232623" y="2425142"/>
+            <a:ext cx="4651541" cy="369332"/>
+          </a:xfrm>
+          <a:prstGeom prst="rect">
+            <a:avLst/>
+          </a:prstGeom>
+          <a:noFill/>
+        </p:spPr>
+        <p:txBody>
+          <a:bodyPr wrap="square" rtlCol="0">
+            <a:spAutoFit/>
+          </a:bodyPr>
+          <a:lstStyle/>
+          <a:p>
+            <a:r>
+              <a:rPr lang="fr-FR" dirty="0"/>
+              <a:t>Après sélection des colonnes les plus corrélées</a:t>
+            </a:r>
+          </a:p>
+        </p:txBody>
+      </p:sp>
       <p:pic>
         <p:nvPicPr>
-          <p:cNvPr id="7" name="Image 6">
+          <p:cNvPr id="5" name="Image 4">
             <a:extLst>
               <a:ext uri="{FF2B5EF4-FFF2-40B4-BE49-F238E27FC236}">
-                <a16:creationId xmlns:a16="http://schemas.microsoft.com/office/drawing/2014/main" id="{3FC9E2C1-0504-748B-758F-E1A73573CE44}"/>
+                <a16:creationId xmlns:a16="http://schemas.microsoft.com/office/drawing/2014/main" id="{44A9E556-9D81-1B9C-FF12-6F384F74FAB7}"/>
               </a:ext>
             </a:extLst>
           </p:cNvPr>
@@ -28110,8 +28755,8 @@
         </p:blipFill>
         <p:spPr>
           <a:xfrm>
-            <a:off x="1238000" y="4280259"/>
-            <a:ext cx="9658846" cy="590580"/>
+            <a:off x="1264186" y="4874391"/>
+            <a:ext cx="9550891" cy="654084"/>
           </a:xfrm>
           <a:prstGeom prst="rect">
             <a:avLst/>
@@ -28121,7 +28766,7 @@
     </p:spTree>
     <p:extLst>
       <p:ext uri="{BB962C8B-B14F-4D97-AF65-F5344CB8AC3E}">
-        <p14:creationId xmlns:p14="http://schemas.microsoft.com/office/powerpoint/2010/main" val="1580180815"/>
+        <p14:creationId xmlns:p14="http://schemas.microsoft.com/office/powerpoint/2010/main" val="3597304434"/>
       </p:ext>
     </p:extLst>
   </p:cSld>
@@ -28131,7 +28776,7 @@
 </p:sld>
 </file>
 
-<file path=ppt/slides/slide8.xml><?xml version="1.0" encoding="utf-8"?>
+<file path=ppt/slides/slide9.xml><?xml version="1.0" encoding="utf-8"?>
 <p:sld xmlns:a="http://schemas.openxmlformats.org/drawingml/2006/main" xmlns:r="http://schemas.openxmlformats.org/officeDocument/2006/relationships" xmlns:p="http://schemas.openxmlformats.org/presentationml/2006/main">
   <p:cSld>
     <p:spTree>
@@ -28148,202 +28793,12 @@
           <a:chExt cx="0" cy="0"/>
         </a:xfrm>
       </p:grpSpPr>
-      <p:pic>
-        <p:nvPicPr>
-          <p:cNvPr id="3074" name="Picture 2">
+      <p:sp>
+        <p:nvSpPr>
+          <p:cNvPr id="6" name="Titre 5">
             <a:extLst>
               <a:ext uri="{FF2B5EF4-FFF2-40B4-BE49-F238E27FC236}">
-                <a16:creationId xmlns:a16="http://schemas.microsoft.com/office/drawing/2014/main" id="{8B137699-CC22-9A14-BC99-1DADCEA14568}"/>
-              </a:ext>
-            </a:extLst>
-          </p:cNvPr>
-          <p:cNvPicPr>
-            <a:picLocks noGrp="1" noChangeAspect="1" noChangeArrowheads="1"/>
-          </p:cNvPicPr>
-          <p:nvPr>
-            <p:ph idx="1"/>
-          </p:nvPr>
-        </p:nvPicPr>
-        <p:blipFill>
-          <a:blip r:embed="rId2">
-            <a:extLst>
-              <a:ext uri="{28A0092B-C50C-407E-A947-70E740481C1C}">
-                <a14:useLocalDpi xmlns:a14="http://schemas.microsoft.com/office/drawing/2010/main" val="0"/>
-              </a:ext>
-            </a:extLst>
-          </a:blip>
-          <a:srcRect/>
-          <a:stretch>
-            <a:fillRect/>
-          </a:stretch>
-        </p:blipFill>
-        <p:spPr bwMode="auto">
-          <a:xfrm>
-            <a:off x="96886" y="4164904"/>
-            <a:ext cx="5787278" cy="2364664"/>
-          </a:xfrm>
-          <a:prstGeom prst="rect">
-            <a:avLst/>
-          </a:prstGeom>
-          <a:noFill/>
-          <a:extLst>
-            <a:ext uri="{909E8E84-426E-40DD-AFC4-6F175D3DCCD1}">
-              <a14:hiddenFill xmlns:a14="http://schemas.microsoft.com/office/drawing/2010/main">
-                <a:solidFill>
-                  <a:srgbClr val="FFFFFF"/>
-                </a:solidFill>
-              </a14:hiddenFill>
-            </a:ext>
-          </a:extLst>
-        </p:spPr>
-      </p:pic>
-      <p:pic>
-        <p:nvPicPr>
-          <p:cNvPr id="3076" name="Picture 4">
-            <a:extLst>
-              <a:ext uri="{FF2B5EF4-FFF2-40B4-BE49-F238E27FC236}">
-                <a16:creationId xmlns:a16="http://schemas.microsoft.com/office/drawing/2014/main" id="{0A260DFA-32D3-6ADD-814C-382BF4E1C458}"/>
-              </a:ext>
-            </a:extLst>
-          </p:cNvPr>
-          <p:cNvPicPr>
-            <a:picLocks noChangeAspect="1" noChangeArrowheads="1"/>
-          </p:cNvPicPr>
-          <p:nvPr/>
-        </p:nvPicPr>
-        <p:blipFill>
-          <a:blip r:embed="rId3">
-            <a:extLst>
-              <a:ext uri="{28A0092B-C50C-407E-A947-70E740481C1C}">
-                <a14:useLocalDpi xmlns:a14="http://schemas.microsoft.com/office/drawing/2010/main" val="0"/>
-              </a:ext>
-            </a:extLst>
-          </a:blip>
-          <a:srcRect/>
-          <a:stretch>
-            <a:fillRect/>
-          </a:stretch>
-        </p:blipFill>
-        <p:spPr bwMode="auto">
-          <a:xfrm>
-            <a:off x="6004560" y="4164903"/>
-            <a:ext cx="6187440" cy="2364665"/>
-          </a:xfrm>
-          <a:prstGeom prst="rect">
-            <a:avLst/>
-          </a:prstGeom>
-          <a:noFill/>
-          <a:extLst>
-            <a:ext uri="{909E8E84-426E-40DD-AFC4-6F175D3DCCD1}">
-              <a14:hiddenFill xmlns:a14="http://schemas.microsoft.com/office/drawing/2010/main">
-                <a:solidFill>
-                  <a:srgbClr val="FFFFFF"/>
-                </a:solidFill>
-              </a14:hiddenFill>
-            </a:ext>
-          </a:extLst>
-        </p:spPr>
-      </p:pic>
-      <p:pic>
-        <p:nvPicPr>
-          <p:cNvPr id="3078" name="Picture 6">
-            <a:extLst>
-              <a:ext uri="{FF2B5EF4-FFF2-40B4-BE49-F238E27FC236}">
-                <a16:creationId xmlns:a16="http://schemas.microsoft.com/office/drawing/2014/main" id="{BDDCE5AE-9AC6-1123-84E1-96E7B6D7508E}"/>
-              </a:ext>
-            </a:extLst>
-          </p:cNvPr>
-          <p:cNvPicPr>
-            <a:picLocks noChangeAspect="1" noChangeArrowheads="1"/>
-          </p:cNvPicPr>
-          <p:nvPr/>
-        </p:nvPicPr>
-        <p:blipFill>
-          <a:blip r:embed="rId4">
-            <a:extLst>
-              <a:ext uri="{28A0092B-C50C-407E-A947-70E740481C1C}">
-                <a14:useLocalDpi xmlns:a14="http://schemas.microsoft.com/office/drawing/2010/main" val="0"/>
-              </a:ext>
-            </a:extLst>
-          </a:blip>
-          <a:srcRect/>
-          <a:stretch>
-            <a:fillRect/>
-          </a:stretch>
-        </p:blipFill>
-        <p:spPr bwMode="auto">
-          <a:xfrm>
-            <a:off x="96886" y="1985409"/>
-            <a:ext cx="5787278" cy="2179494"/>
-          </a:xfrm>
-          <a:prstGeom prst="rect">
-            <a:avLst/>
-          </a:prstGeom>
-          <a:noFill/>
-          <a:extLst>
-            <a:ext uri="{909E8E84-426E-40DD-AFC4-6F175D3DCCD1}">
-              <a14:hiddenFill xmlns:a14="http://schemas.microsoft.com/office/drawing/2010/main">
-                <a:solidFill>
-                  <a:srgbClr val="FFFFFF"/>
-                </a:solidFill>
-              </a14:hiddenFill>
-            </a:ext>
-          </a:extLst>
-        </p:spPr>
-      </p:pic>
-      <p:pic>
-        <p:nvPicPr>
-          <p:cNvPr id="3080" name="Picture 8">
-            <a:extLst>
-              <a:ext uri="{FF2B5EF4-FFF2-40B4-BE49-F238E27FC236}">
-                <a16:creationId xmlns:a16="http://schemas.microsoft.com/office/drawing/2014/main" id="{B6C32DB8-09FF-E7F6-9F4E-87EFD961D9E8}"/>
-              </a:ext>
-            </a:extLst>
-          </p:cNvPr>
-          <p:cNvPicPr>
-            <a:picLocks noChangeAspect="1" noChangeArrowheads="1"/>
-          </p:cNvPicPr>
-          <p:nvPr/>
-        </p:nvPicPr>
-        <p:blipFill>
-          <a:blip r:embed="rId5">
-            <a:extLst>
-              <a:ext uri="{28A0092B-C50C-407E-A947-70E740481C1C}">
-                <a14:useLocalDpi xmlns:a14="http://schemas.microsoft.com/office/drawing/2010/main" val="0"/>
-              </a:ext>
-            </a:extLst>
-          </a:blip>
-          <a:srcRect/>
-          <a:stretch>
-            <a:fillRect/>
-          </a:stretch>
-        </p:blipFill>
-        <p:spPr bwMode="auto">
-          <a:xfrm>
-            <a:off x="6096000" y="1985409"/>
-            <a:ext cx="6096000" cy="2179494"/>
-          </a:xfrm>
-          <a:prstGeom prst="rect">
-            <a:avLst/>
-          </a:prstGeom>
-          <a:noFill/>
-          <a:extLst>
-            <a:ext uri="{909E8E84-426E-40DD-AFC4-6F175D3DCCD1}">
-              <a14:hiddenFill xmlns:a14="http://schemas.microsoft.com/office/drawing/2010/main">
-                <a:solidFill>
-                  <a:srgbClr val="FFFFFF"/>
-                </a:solidFill>
-              </a14:hiddenFill>
-            </a:ext>
-          </a:extLst>
-        </p:spPr>
-      </p:pic>
-      <p:sp>
-        <p:nvSpPr>
-          <p:cNvPr id="4" name="Titre 3">
-            <a:extLst>
-              <a:ext uri="{FF2B5EF4-FFF2-40B4-BE49-F238E27FC236}">
-                <a16:creationId xmlns:a16="http://schemas.microsoft.com/office/drawing/2014/main" id="{C18C5E4F-DD6F-1733-326A-3274DBC1E5AF}"/>
+                <a16:creationId xmlns:a16="http://schemas.microsoft.com/office/drawing/2014/main" id="{47BF992A-6512-8ED5-EEDD-0E03228702D6}"/>
               </a:ext>
             </a:extLst>
           </p:cNvPr>
@@ -28360,12 +28815,103 @@
           <a:lstStyle/>
           <a:p>
             <a:r>
-              <a:rPr lang="fr-FR" dirty="0" err="1"/>
-              <a:t>Prediction</a:t>
+              <a:rPr lang="fr-FR" dirty="0"/>
+              <a:t>Classification</a:t>
             </a:r>
+          </a:p>
+        </p:txBody>
+      </p:sp>
+      <p:pic>
+        <p:nvPicPr>
+          <p:cNvPr id="4" name="Image 3">
+            <a:extLst>
+              <a:ext uri="{FF2B5EF4-FFF2-40B4-BE49-F238E27FC236}">
+                <a16:creationId xmlns:a16="http://schemas.microsoft.com/office/drawing/2014/main" id="{2D43CDCE-58DA-4939-65DB-8F3A0F494BBE}"/>
+              </a:ext>
+            </a:extLst>
+          </p:cNvPr>
+          <p:cNvPicPr>
+            <a:picLocks noChangeAspect="1"/>
+          </p:cNvPicPr>
+          <p:nvPr/>
+        </p:nvPicPr>
+        <p:blipFill>
+          <a:blip r:embed="rId2"/>
+          <a:stretch>
+            <a:fillRect/>
+          </a:stretch>
+        </p:blipFill>
+        <p:spPr>
+          <a:xfrm>
+            <a:off x="1291978" y="3143680"/>
+            <a:ext cx="9608044" cy="1873346"/>
+          </a:xfrm>
+          <a:prstGeom prst="rect">
+            <a:avLst/>
+          </a:prstGeom>
+        </p:spPr>
+      </p:pic>
+      <p:pic>
+        <p:nvPicPr>
+          <p:cNvPr id="8" name="Image 7">
+            <a:extLst>
+              <a:ext uri="{FF2B5EF4-FFF2-40B4-BE49-F238E27FC236}">
+                <a16:creationId xmlns:a16="http://schemas.microsoft.com/office/drawing/2014/main" id="{62BAFBC3-F628-FF67-388E-948292761E6B}"/>
+              </a:ext>
+            </a:extLst>
+          </p:cNvPr>
+          <p:cNvPicPr>
+            <a:picLocks noChangeAspect="1"/>
+          </p:cNvPicPr>
+          <p:nvPr/>
+        </p:nvPicPr>
+        <p:blipFill>
+          <a:blip r:embed="rId3"/>
+          <a:stretch>
+            <a:fillRect/>
+          </a:stretch>
+        </p:blipFill>
+        <p:spPr>
+          <a:xfrm>
+            <a:off x="1311029" y="5017026"/>
+            <a:ext cx="9588993" cy="635033"/>
+          </a:xfrm>
+          <a:prstGeom prst="rect">
+            <a:avLst/>
+          </a:prstGeom>
+        </p:spPr>
+      </p:pic>
+      <p:sp>
+        <p:nvSpPr>
+          <p:cNvPr id="9" name="ZoneTexte 8">
+            <a:extLst>
+              <a:ext uri="{FF2B5EF4-FFF2-40B4-BE49-F238E27FC236}">
+                <a16:creationId xmlns:a16="http://schemas.microsoft.com/office/drawing/2014/main" id="{4FF90CD3-FDE7-6849-FE04-E0516AF3E80A}"/>
+              </a:ext>
+            </a:extLst>
+          </p:cNvPr>
+          <p:cNvSpPr txBox="1"/>
+          <p:nvPr/>
+        </p:nvSpPr>
+        <p:spPr>
+          <a:xfrm flipH="1">
+            <a:off x="1232623" y="2429590"/>
+            <a:ext cx="4651541" cy="369332"/>
+          </a:xfrm>
+          <a:prstGeom prst="rect">
+            <a:avLst/>
+          </a:prstGeom>
+          <a:noFill/>
+        </p:spPr>
+        <p:txBody>
+          <a:bodyPr wrap="square" rtlCol="0">
+            <a:spAutoFit/>
+          </a:bodyPr>
+          <a:lstStyle/>
+          <a:p>
             <a:r>
               <a:rPr lang="fr-FR" dirty="0"/>
-              <a:t> de chute</a:t>
+              <a:t>Sans sélection des colonnes les plus corrélées</a:t>
             </a:r>
           </a:p>
         </p:txBody>
@@ -28373,7 +28919,7 @@
     </p:spTree>
     <p:extLst>
       <p:ext uri="{BB962C8B-B14F-4D97-AF65-F5344CB8AC3E}">
-        <p14:creationId xmlns:p14="http://schemas.microsoft.com/office/powerpoint/2010/main" val="667768442"/>
+        <p14:creationId xmlns:p14="http://schemas.microsoft.com/office/powerpoint/2010/main" val="1580180815"/>
       </p:ext>
     </p:extLst>
   </p:cSld>
